--- a/sem2-slides/3.1 Sockets.pptx
+++ b/sem2-slides/3.1 Sockets.pptx
@@ -142,7 +142,7 @@
   <pc:docChgLst>
     <pc:chgData name="Andrew Beatty" userId="b3294954-d4b5-4a40-95d7-bd84a7c4023c" providerId="ADAL" clId="{F0A85E5D-525F-4B66-95D6-D870E9261D64}"/>
     <pc:docChg chg="undo custSel addSld modSld">
-      <pc:chgData name="Andrew Beatty" userId="b3294954-d4b5-4a40-95d7-bd84a7c4023c" providerId="ADAL" clId="{F0A85E5D-525F-4B66-95D6-D870E9261D64}" dt="2021-10-20T09:54:56.462" v="4746" actId="14100"/>
+      <pc:chgData name="Andrew Beatty" userId="b3294954-d4b5-4a40-95d7-bd84a7c4023c" providerId="ADAL" clId="{F0A85E5D-525F-4B66-95D6-D870E9261D64}" dt="2021-10-20T12:51:20.743" v="4799" actId="20577"/>
       <pc:docMkLst>
         <pc:docMk/>
       </pc:docMkLst>
@@ -539,7 +539,7 @@
         </pc:cxnChg>
       </pc:sldChg>
       <pc:sldChg chg="modSp new mod">
-        <pc:chgData name="Andrew Beatty" userId="b3294954-d4b5-4a40-95d7-bd84a7c4023c" providerId="ADAL" clId="{F0A85E5D-525F-4B66-95D6-D870E9261D64}" dt="2021-10-20T09:20:48.669" v="2749" actId="5793"/>
+        <pc:chgData name="Andrew Beatty" userId="b3294954-d4b5-4a40-95d7-bd84a7c4023c" providerId="ADAL" clId="{F0A85E5D-525F-4B66-95D6-D870E9261D64}" dt="2021-10-20T12:30:30.629" v="4759" actId="27636"/>
         <pc:sldMkLst>
           <pc:docMk/>
           <pc:sldMk cId="859528829" sldId="265"/>
@@ -553,7 +553,7 @@
           </ac:spMkLst>
         </pc:spChg>
         <pc:spChg chg="mod">
-          <ac:chgData name="Andrew Beatty" userId="b3294954-d4b5-4a40-95d7-bd84a7c4023c" providerId="ADAL" clId="{F0A85E5D-525F-4B66-95D6-D870E9261D64}" dt="2021-10-20T09:20:48.669" v="2749" actId="5793"/>
+          <ac:chgData name="Andrew Beatty" userId="b3294954-d4b5-4a40-95d7-bd84a7c4023c" providerId="ADAL" clId="{F0A85E5D-525F-4B66-95D6-D870E9261D64}" dt="2021-10-20T12:30:30.629" v="4759" actId="27636"/>
           <ac:spMkLst>
             <pc:docMk/>
             <pc:sldMk cId="859528829" sldId="265"/>
@@ -743,7 +743,7 @@
         </pc:cxnChg>
       </pc:sldChg>
       <pc:sldChg chg="modSp new mod">
-        <pc:chgData name="Andrew Beatty" userId="b3294954-d4b5-4a40-95d7-bd84a7c4023c" providerId="ADAL" clId="{F0A85E5D-525F-4B66-95D6-D870E9261D64}" dt="2021-10-20T09:42:58.507" v="4122" actId="20577"/>
+        <pc:chgData name="Andrew Beatty" userId="b3294954-d4b5-4a40-95d7-bd84a7c4023c" providerId="ADAL" clId="{F0A85E5D-525F-4B66-95D6-D870E9261D64}" dt="2021-10-20T12:51:20.743" v="4799" actId="20577"/>
         <pc:sldMkLst>
           <pc:docMk/>
           <pc:sldMk cId="2216278640" sldId="269"/>
@@ -757,7 +757,7 @@
           </ac:spMkLst>
         </pc:spChg>
         <pc:spChg chg="mod">
-          <ac:chgData name="Andrew Beatty" userId="b3294954-d4b5-4a40-95d7-bd84a7c4023c" providerId="ADAL" clId="{F0A85E5D-525F-4B66-95D6-D870E9261D64}" dt="2021-10-20T09:42:58.507" v="4122" actId="20577"/>
+          <ac:chgData name="Andrew Beatty" userId="b3294954-d4b5-4a40-95d7-bd84a7c4023c" providerId="ADAL" clId="{F0A85E5D-525F-4B66-95D6-D870E9261D64}" dt="2021-10-20T12:51:20.743" v="4799" actId="20577"/>
           <ac:spMkLst>
             <pc:docMk/>
             <pc:sldMk cId="2216278640" sldId="269"/>
@@ -5035,9 +5035,10 @@
             </a:r>
           </a:p>
           <a:p>
+            <a:pPr lvl="1"/>
             <a:r>
               <a:rPr lang="en-IE" dirty="0"/>
-              <a:t>Data is sent as bytes, so need to be encoded and decoded</a:t>
+              <a:t>Selectors</a:t>
             </a:r>
           </a:p>
           <a:p>
@@ -8624,15 +8625,16 @@
             <a:pPr lvl="2"/>
             <a:r>
               <a:rPr lang="en-GB" dirty="0"/>
-              <a:t>You register the io stream with:</a:t>
+              <a:t>You register the io stream with the selector:</a:t>
             </a:r>
           </a:p>
           <a:p>
             <a:pPr lvl="3"/>
             <a:r>
-              <a:rPr lang="en-GB" dirty="0"/>
-              <a:t>the selector </a:t>
-            </a:r>
+              <a:rPr lang="en-GB"/>
+              <a:t>The stream</a:t>
+            </a:r>
+            <a:endParaRPr lang="en-GB" dirty="0"/>
           </a:p>
           <a:p>
             <a:pPr lvl="3"/>
